--- a/materials/ch14/ch14-被动回复消息.pptx
+++ b/materials/ch14/ch14-被动回复消息.pptx
@@ -6,14 +6,17 @@
   </p:sldMasterIdLst>
   <p:sldIdLst>
     <p:sldId id="256" r:id="rId2"/>
-    <p:sldId id="275" r:id="rId3"/>
-    <p:sldId id="277" r:id="rId4"/>
-    <p:sldId id="278" r:id="rId5"/>
-    <p:sldId id="276" r:id="rId6"/>
-    <p:sldId id="279" r:id="rId7"/>
-    <p:sldId id="280" r:id="rId8"/>
-    <p:sldId id="274" r:id="rId9"/>
-    <p:sldId id="258" r:id="rId10"/>
+    <p:sldId id="285" r:id="rId3"/>
+    <p:sldId id="275" r:id="rId4"/>
+    <p:sldId id="281" r:id="rId5"/>
+    <p:sldId id="282" r:id="rId6"/>
+    <p:sldId id="277" r:id="rId7"/>
+    <p:sldId id="278" r:id="rId8"/>
+    <p:sldId id="276" r:id="rId9"/>
+    <p:sldId id="279" r:id="rId10"/>
+    <p:sldId id="274" r:id="rId11"/>
+    <p:sldId id="283" r:id="rId12"/>
+    <p:sldId id="284" r:id="rId13"/>
   </p:sldIdLst>
   <p:sldSz cx="12192000" cy="6858000"/>
   <p:notesSz cx="6858000" cy="9144000"/>
@@ -546,7 +549,7 @@
           <a:p>
             <a:fld id="{10955001-8E90-43AD-87AF-166875BDDBE4}" type="datetimeFigureOut">
               <a:rPr lang="zh-CN" altLang="en-US" smtClean="0"/>
-              <a:t>2020/8/18</a:t>
+              <a:t>2020/8/30</a:t>
             </a:fld>
             <a:endParaRPr lang="zh-CN" altLang="en-US"/>
           </a:p>
@@ -778,7 +781,7 @@
           <a:p>
             <a:fld id="{10955001-8E90-43AD-87AF-166875BDDBE4}" type="datetimeFigureOut">
               <a:rPr lang="zh-CN" altLang="en-US" smtClean="0"/>
-              <a:t>2020/8/18</a:t>
+              <a:t>2020/8/30</a:t>
             </a:fld>
             <a:endParaRPr lang="zh-CN" altLang="en-US"/>
           </a:p>
@@ -961,7 +964,7 @@
                 <a:spcPts val="1200"/>
               </a:spcBef>
               <a:defRPr sz="2000" baseline="0">
-                <a:latin typeface="Victor Mono" panose="00000509000000000000" pitchFamily="49" charset="0"/>
+                <a:latin typeface="Ubuntu Mono" panose="020B0509030602030204" pitchFamily="49" charset="0"/>
                 <a:ea typeface="思源黑体 CN Light" panose="020B0300000000000000" pitchFamily="34" charset="-122"/>
               </a:defRPr>
             </a:lvl1pPr>
@@ -973,7 +976,7 @@
                 <a:spcPts val="1200"/>
               </a:spcBef>
               <a:defRPr sz="1800" baseline="0">
-                <a:latin typeface="Victor Mono" panose="00000509000000000000" pitchFamily="49" charset="0"/>
+                <a:latin typeface="Ubuntu Mono" panose="020B0509030602030204" pitchFamily="49" charset="0"/>
                 <a:ea typeface="思源黑体 CN Light" panose="020B0300000000000000" pitchFamily="34" charset="-122"/>
               </a:defRPr>
             </a:lvl2pPr>
@@ -985,7 +988,7 @@
                 <a:spcPts val="1200"/>
               </a:spcBef>
               <a:defRPr sz="1600" baseline="0">
-                <a:latin typeface="Victor Mono" panose="00000509000000000000" pitchFamily="49" charset="0"/>
+                <a:latin typeface="Ubuntu Mono" panose="020B0509030602030204" pitchFamily="49" charset="0"/>
                 <a:ea typeface="思源黑体 CN Light" panose="020B0300000000000000" pitchFamily="34" charset="-122"/>
               </a:defRPr>
             </a:lvl3pPr>
@@ -997,7 +1000,7 @@
                 <a:spcPts val="1200"/>
               </a:spcBef>
               <a:defRPr sz="1400" baseline="0">
-                <a:latin typeface="Victor Mono" panose="00000509000000000000" pitchFamily="49" charset="0"/>
+                <a:latin typeface="Ubuntu Mono" panose="020B0509030602030204" pitchFamily="49" charset="0"/>
                 <a:ea typeface="思源黑体 CN Light" panose="020B0300000000000000" pitchFamily="34" charset="-122"/>
               </a:defRPr>
             </a:lvl4pPr>
@@ -1009,7 +1012,7 @@
                 <a:spcPts val="1200"/>
               </a:spcBef>
               <a:defRPr sz="1400" baseline="0">
-                <a:latin typeface="Victor Mono" panose="00000509000000000000" pitchFamily="49" charset="0"/>
+                <a:latin typeface="Ubuntu Mono" panose="020B0509030602030204" pitchFamily="49" charset="0"/>
                 <a:ea typeface="思源黑体 CN Light" panose="020B0300000000000000" pitchFamily="34" charset="-122"/>
               </a:defRPr>
             </a:lvl5pPr>
@@ -1276,7 +1279,7 @@
           <a:p>
             <a:fld id="{10955001-8E90-43AD-87AF-166875BDDBE4}" type="datetimeFigureOut">
               <a:rPr lang="zh-CN" altLang="en-US" smtClean="0"/>
-              <a:t>2020/8/18</a:t>
+              <a:t>2020/8/30</a:t>
             </a:fld>
             <a:endParaRPr lang="zh-CN" altLang="en-US"/>
           </a:p>
@@ -1705,7 +1708,7 @@
           <a:p>
             <a:fld id="{10955001-8E90-43AD-87AF-166875BDDBE4}" type="datetimeFigureOut">
               <a:rPr lang="zh-CN" altLang="en-US" smtClean="0"/>
-              <a:t>2020/8/18</a:t>
+              <a:t>2020/8/30</a:t>
             </a:fld>
             <a:endParaRPr lang="zh-CN" altLang="en-US"/>
           </a:p>
@@ -2222,7 +2225,7 @@
           <a:p>
             <a:fld id="{10955001-8E90-43AD-87AF-166875BDDBE4}" type="datetimeFigureOut">
               <a:rPr lang="zh-CN" altLang="en-US" smtClean="0"/>
-              <a:t>2020/8/18</a:t>
+              <a:t>2020/8/30</a:t>
             </a:fld>
             <a:endParaRPr lang="zh-CN" altLang="en-US"/>
           </a:p>
@@ -2682,7 +2685,7 @@
           <a:p>
             <a:fld id="{10955001-8E90-43AD-87AF-166875BDDBE4}" type="datetimeFigureOut">
               <a:rPr lang="zh-CN" altLang="en-US" smtClean="0"/>
-              <a:t>2020/8/18</a:t>
+              <a:t>2020/8/30</a:t>
             </a:fld>
             <a:endParaRPr lang="zh-CN" altLang="en-US"/>
           </a:p>
@@ -2994,7 +2997,7 @@
           <a:p>
             <a:fld id="{10955001-8E90-43AD-87AF-166875BDDBE4}" type="datetimeFigureOut">
               <a:rPr lang="zh-CN" altLang="en-US" smtClean="0"/>
-              <a:t>2020/8/18</a:t>
+              <a:t>2020/8/30</a:t>
             </a:fld>
             <a:endParaRPr lang="zh-CN" altLang="en-US"/>
           </a:p>
@@ -3602,6 +3605,547 @@
 </p:sld>
 </file>
 
+<file path=ppt/slides/slide10.xml><?xml version="1.0" encoding="utf-8"?>
+<p:sld xmlns:a="http://schemas.openxmlformats.org/drawingml/2006/main" xmlns:r="http://schemas.openxmlformats.org/officeDocument/2006/relationships" xmlns:p="http://schemas.openxmlformats.org/presentationml/2006/main">
+  <p:cSld>
+    <p:spTree>
+      <p:nvGrpSpPr>
+        <p:cNvPr id="1" name=""/>
+        <p:cNvGrpSpPr/>
+        <p:nvPr/>
+      </p:nvGrpSpPr>
+      <p:grpSpPr>
+        <a:xfrm>
+          <a:off x="0" y="0"/>
+          <a:ext cx="0" cy="0"/>
+          <a:chOff x="0" y="0"/>
+          <a:chExt cx="0" cy="0"/>
+        </a:xfrm>
+      </p:grpSpPr>
+      <p:pic>
+        <p:nvPicPr>
+          <p:cNvPr id="5" name="内容占位符 4">
+            <a:extLst>
+              <a:ext uri="{FF2B5EF4-FFF2-40B4-BE49-F238E27FC236}">
+                <a16:creationId xmlns:a16="http://schemas.microsoft.com/office/drawing/2014/main" id="{4609CFDA-552E-4628-BB86-D69D641BF528}"/>
+              </a:ext>
+            </a:extLst>
+          </p:cNvPr>
+          <p:cNvPicPr>
+            <a:picLocks noGrp="1" noChangeAspect="1"/>
+          </p:cNvPicPr>
+          <p:nvPr>
+            <p:ph idx="1"/>
+          </p:nvPr>
+        </p:nvPicPr>
+        <p:blipFill>
+          <a:blip r:embed="rId2">
+            <a:extLst>
+              <a:ext uri="{28A0092B-C50C-407E-A947-70E740481C1C}">
+                <a14:useLocalDpi xmlns:a14="http://schemas.microsoft.com/office/drawing/2010/main" val="0"/>
+              </a:ext>
+            </a:extLst>
+          </a:blip>
+          <a:stretch>
+            <a:fillRect/>
+          </a:stretch>
+        </p:blipFill>
+        <p:spPr>
+          <a:xfrm>
+            <a:off x="640708" y="513690"/>
+            <a:ext cx="10910583" cy="6135684"/>
+          </a:xfrm>
+        </p:spPr>
+      </p:pic>
+    </p:spTree>
+    <p:extLst>
+      <p:ext uri="{BB962C8B-B14F-4D97-AF65-F5344CB8AC3E}">
+        <p14:creationId xmlns:p14="http://schemas.microsoft.com/office/powerpoint/2010/main" val="4103007565"/>
+      </p:ext>
+    </p:extLst>
+  </p:cSld>
+  <p:clrMapOvr>
+    <a:masterClrMapping/>
+  </p:clrMapOvr>
+</p:sld>
+</file>
+
+<file path=ppt/slides/slide11.xml><?xml version="1.0" encoding="utf-8"?>
+<p:sld xmlns:a="http://schemas.openxmlformats.org/drawingml/2006/main" xmlns:r="http://schemas.openxmlformats.org/officeDocument/2006/relationships" xmlns:p="http://schemas.openxmlformats.org/presentationml/2006/main">
+  <p:cSld>
+    <p:spTree>
+      <p:nvGrpSpPr>
+        <p:cNvPr id="1" name=""/>
+        <p:cNvGrpSpPr/>
+        <p:nvPr/>
+      </p:nvGrpSpPr>
+      <p:grpSpPr>
+        <a:xfrm>
+          <a:off x="0" y="0"/>
+          <a:ext cx="0" cy="0"/>
+          <a:chOff x="0" y="0"/>
+          <a:chExt cx="0" cy="0"/>
+        </a:xfrm>
+      </p:grpSpPr>
+      <p:sp>
+        <p:nvSpPr>
+          <p:cNvPr id="2" name="标题 1">
+            <a:extLst>
+              <a:ext uri="{FF2B5EF4-FFF2-40B4-BE49-F238E27FC236}">
+                <a16:creationId xmlns:a16="http://schemas.microsoft.com/office/drawing/2014/main" id="{E11852D6-2B09-4D80-8DD1-7AB8EBCD7ECE}"/>
+              </a:ext>
+            </a:extLst>
+          </p:cNvPr>
+          <p:cNvSpPr>
+            <a:spLocks noGrp="1"/>
+          </p:cNvSpPr>
+          <p:nvPr>
+            <p:ph type="title"/>
+          </p:nvPr>
+        </p:nvSpPr>
+        <p:spPr/>
+        <p:txBody>
+          <a:bodyPr/>
+          <a:lstStyle/>
+          <a:p>
+            <a:r>
+              <a:rPr lang="zh-CN" altLang="en-US"/>
+              <a:t>需要注意的问题</a:t>
+            </a:r>
+          </a:p>
+        </p:txBody>
+      </p:sp>
+      <p:sp>
+        <p:nvSpPr>
+          <p:cNvPr id="3" name="内容占位符 2">
+            <a:extLst>
+              <a:ext uri="{FF2B5EF4-FFF2-40B4-BE49-F238E27FC236}">
+                <a16:creationId xmlns:a16="http://schemas.microsoft.com/office/drawing/2014/main" id="{7EB9CF56-C70E-4D6E-8E68-F9AD06EE3224}"/>
+              </a:ext>
+            </a:extLst>
+          </p:cNvPr>
+          <p:cNvSpPr>
+            <a:spLocks noGrp="1"/>
+          </p:cNvSpPr>
+          <p:nvPr>
+            <p:ph idx="1"/>
+          </p:nvPr>
+        </p:nvSpPr>
+        <p:spPr/>
+        <p:txBody>
+          <a:bodyPr/>
+          <a:lstStyle/>
+          <a:p>
+            <a:r>
+              <a:rPr lang="zh-CN" altLang="en-US"/>
+              <a:t>域名是需要备案的。</a:t>
+            </a:r>
+            <a:endParaRPr lang="en-US" altLang="zh-CN"/>
+          </a:p>
+          <a:p>
+            <a:r>
+              <a:rPr lang="zh-CN" altLang="en-US"/>
+              <a:t>不支持</a:t>
+            </a:r>
+            <a:r>
+              <a:rPr lang="en-US" altLang="zh-CN"/>
+              <a:t>IP</a:t>
+            </a:r>
+            <a:r>
+              <a:rPr lang="zh-CN" altLang="en-US"/>
+              <a:t>地址和端口号。</a:t>
+            </a:r>
+            <a:endParaRPr lang="en-US" altLang="zh-CN"/>
+          </a:p>
+          <a:p>
+            <a:r>
+              <a:rPr lang="zh-CN" altLang="en-US"/>
+              <a:t>如果检测程序等各方面都没有问题，还有可能是域名被微信封杀。这种情况可能是因为检测到域名曾经被用于其他非法途径。</a:t>
+            </a:r>
+            <a:endParaRPr lang="en-US" altLang="zh-CN"/>
+          </a:p>
+        </p:txBody>
+      </p:sp>
+    </p:spTree>
+    <p:extLst>
+      <p:ext uri="{BB962C8B-B14F-4D97-AF65-F5344CB8AC3E}">
+        <p14:creationId xmlns:p14="http://schemas.microsoft.com/office/powerpoint/2010/main" val="3292206023"/>
+      </p:ext>
+    </p:extLst>
+  </p:cSld>
+  <p:clrMapOvr>
+    <a:masterClrMapping/>
+  </p:clrMapOvr>
+</p:sld>
+</file>
+
+<file path=ppt/slides/slide12.xml><?xml version="1.0" encoding="utf-8"?>
+<p:sld xmlns:a="http://schemas.openxmlformats.org/drawingml/2006/main" xmlns:r="http://schemas.openxmlformats.org/officeDocument/2006/relationships" xmlns:p="http://schemas.openxmlformats.org/presentationml/2006/main">
+  <p:cSld>
+    <p:spTree>
+      <p:nvGrpSpPr>
+        <p:cNvPr id="1" name=""/>
+        <p:cNvGrpSpPr/>
+        <p:nvPr/>
+      </p:nvGrpSpPr>
+      <p:grpSpPr>
+        <a:xfrm>
+          <a:off x="0" y="0"/>
+          <a:ext cx="0" cy="0"/>
+          <a:chOff x="0" y="0"/>
+          <a:chExt cx="0" cy="0"/>
+        </a:xfrm>
+      </p:grpSpPr>
+      <p:sp>
+        <p:nvSpPr>
+          <p:cNvPr id="2" name="标题 1">
+            <a:extLst>
+              <a:ext uri="{FF2B5EF4-FFF2-40B4-BE49-F238E27FC236}">
+                <a16:creationId xmlns:a16="http://schemas.microsoft.com/office/drawing/2014/main" id="{C62D82A5-597A-4B94-B418-FD312B50D723}"/>
+              </a:ext>
+            </a:extLst>
+          </p:cNvPr>
+          <p:cNvSpPr>
+            <a:spLocks noGrp="1"/>
+          </p:cNvSpPr>
+          <p:nvPr>
+            <p:ph type="title"/>
+          </p:nvPr>
+        </p:nvSpPr>
+        <p:spPr/>
+        <p:txBody>
+          <a:bodyPr/>
+          <a:lstStyle/>
+          <a:p>
+            <a:r>
+              <a:rPr lang="zh-CN" altLang="en-US"/>
+              <a:t>域名被封杀的处理办法</a:t>
+            </a:r>
+          </a:p>
+        </p:txBody>
+      </p:sp>
+      <p:sp>
+        <p:nvSpPr>
+          <p:cNvPr id="3" name="内容占位符 2">
+            <a:extLst>
+              <a:ext uri="{FF2B5EF4-FFF2-40B4-BE49-F238E27FC236}">
+                <a16:creationId xmlns:a16="http://schemas.microsoft.com/office/drawing/2014/main" id="{C36314A8-1135-4CC6-9168-2B2109398083}"/>
+              </a:ext>
+            </a:extLst>
+          </p:cNvPr>
+          <p:cNvSpPr>
+            <a:spLocks noGrp="1"/>
+          </p:cNvSpPr>
+          <p:nvPr>
+            <p:ph idx="1"/>
+          </p:nvPr>
+        </p:nvSpPr>
+        <p:spPr/>
+        <p:txBody>
+          <a:bodyPr>
+            <a:normAutofit/>
+          </a:bodyPr>
+          <a:lstStyle/>
+          <a:p>
+            <a:r>
+              <a:rPr lang="zh-CN" altLang="en-US" b="0" i="0" u="none" strike="noStrike">
+                <a:solidFill>
+                  <a:prstClr val="black"/>
+                </a:solidFill>
+                <a:latin typeface="Noto Sans CJK SC Regular"/>
+              </a:rPr>
+              <a:t>关注</a:t>
+            </a:r>
+            <a:r>
+              <a:rPr lang="zh-CN" altLang="en-US">
+                <a:solidFill>
+                  <a:prstClr val="black"/>
+                </a:solidFill>
+                <a:latin typeface="Noto Sans CJK SC Regular"/>
+              </a:rPr>
+              <a:t>‘</a:t>
+            </a:r>
+            <a:r>
+              <a:rPr lang="zh-CN" altLang="en-US" b="0" i="0" u="none" strike="noStrike">
+                <a:solidFill>
+                  <a:prstClr val="black"/>
+                </a:solidFill>
+                <a:latin typeface="Noto Sans CJK SC Regular"/>
+              </a:rPr>
+              <a:t>腾讯安全反诈骗实验室</a:t>
+            </a:r>
+            <a:r>
+              <a:rPr lang="zh-CN" altLang="en-US">
+                <a:solidFill>
+                  <a:prstClr val="black"/>
+                </a:solidFill>
+                <a:latin typeface="Noto Sans CJK SC Regular"/>
+              </a:rPr>
+              <a:t>’</a:t>
+            </a:r>
+            <a:r>
+              <a:rPr lang="zh-CN" altLang="en-US" b="0" i="0" u="none" strike="noStrike">
+                <a:solidFill>
+                  <a:prstClr val="black"/>
+                </a:solidFill>
+                <a:latin typeface="Noto Sans CJK SC Regular"/>
+              </a:rPr>
+              <a:t>公众号。</a:t>
+            </a:r>
+          </a:p>
+          <a:p>
+            <a:r>
+              <a:rPr lang="zh-CN" altLang="en-US" b="0" i="0" u="none" strike="noStrike" baseline="0">
+                <a:solidFill>
+                  <a:prstClr val="black"/>
+                </a:solidFill>
+                <a:latin typeface="Noto Sans CJK SC Regular"/>
+              </a:rPr>
+              <a:t>点击菜单</a:t>
+            </a:r>
+            <a:r>
+              <a:rPr lang="zh-CN" altLang="en-US">
+                <a:solidFill>
+                  <a:prstClr val="black"/>
+                </a:solidFill>
+                <a:latin typeface="Noto Sans CJK SC Regular"/>
+              </a:rPr>
+              <a:t>‘</a:t>
+            </a:r>
+            <a:r>
+              <a:rPr lang="zh-CN" altLang="en-US" b="0" i="0" u="none" strike="noStrike" baseline="0">
+                <a:solidFill>
+                  <a:prstClr val="black"/>
+                </a:solidFill>
+                <a:latin typeface="Noto Sans CJK SC Regular"/>
+              </a:rPr>
+              <a:t>网址申诉</a:t>
+            </a:r>
+            <a:r>
+              <a:rPr lang="zh-CN" altLang="en-US">
+                <a:solidFill>
+                  <a:prstClr val="black"/>
+                </a:solidFill>
+                <a:latin typeface="Noto Sans CJK SC Regular"/>
+              </a:rPr>
+              <a:t>’</a:t>
+            </a:r>
+            <a:r>
+              <a:rPr lang="zh-CN" altLang="en-US" b="0" i="0" u="none" strike="noStrike" baseline="0">
+                <a:solidFill>
+                  <a:prstClr val="black"/>
+                </a:solidFill>
+                <a:latin typeface="Noto Sans CJK SC Regular"/>
+              </a:rPr>
+              <a:t>，按照提示填写表单。</a:t>
+            </a:r>
+          </a:p>
+          <a:p>
+            <a:r>
+              <a:rPr lang="zh-CN" altLang="en-US" b="0" i="0" u="none" strike="noStrike" baseline="0">
+                <a:solidFill>
+                  <a:prstClr val="black"/>
+                </a:solidFill>
+                <a:latin typeface="Noto Sans CJK SC Regular"/>
+              </a:rPr>
+              <a:t>按照提示下载验证文件部署到开发者服务器。</a:t>
+            </a:r>
+          </a:p>
+          <a:p>
+            <a:r>
+              <a:rPr lang="zh-CN" altLang="en-US" b="0" i="0" u="none" strike="noStrike" baseline="0">
+                <a:solidFill>
+                  <a:prstClr val="black"/>
+                </a:solidFill>
+                <a:latin typeface="Noto Sans CJK SC Regular"/>
+              </a:rPr>
+              <a:t>提交请求并等待回复</a:t>
+            </a:r>
+            <a:r>
+              <a:rPr lang="en-US" altLang="zh-CN" b="0" i="0" u="none" strike="noStrike" baseline="0">
+                <a:solidFill>
+                  <a:prstClr val="black"/>
+                </a:solidFill>
+                <a:latin typeface="Noto Sans CJK SC Regular"/>
+              </a:rPr>
+              <a:t>·····</a:t>
+            </a:r>
+            <a:r>
+              <a:rPr lang="en-US" altLang="zh-CN">
+                <a:solidFill>
+                  <a:prstClr val="black"/>
+                </a:solidFill>
+                <a:latin typeface="Noto Sans CJK SC Regular"/>
+              </a:rPr>
+              <a:t>····</a:t>
+            </a:r>
+            <a:endParaRPr lang="en-US" altLang="zh-CN" b="0" i="0" u="none" strike="noStrike" baseline="0">
+              <a:solidFill>
+                <a:prstClr val="black"/>
+              </a:solidFill>
+              <a:latin typeface="Noto Sans CJK SC Regular"/>
+            </a:endParaRPr>
+          </a:p>
+          <a:p>
+            <a:endParaRPr lang="en-US" altLang="zh-CN">
+              <a:solidFill>
+                <a:prstClr val="black"/>
+              </a:solidFill>
+              <a:latin typeface="Noto Sans CJK SC Regular"/>
+            </a:endParaRPr>
+          </a:p>
+        </p:txBody>
+      </p:sp>
+      <p:sp>
+        <p:nvSpPr>
+          <p:cNvPr id="4" name="文本框 3">
+            <a:extLst>
+              <a:ext uri="{FF2B5EF4-FFF2-40B4-BE49-F238E27FC236}">
+                <a16:creationId xmlns:a16="http://schemas.microsoft.com/office/drawing/2014/main" id="{3C860D3F-6199-4A2E-A64C-377EBC7FC303}"/>
+              </a:ext>
+            </a:extLst>
+          </p:cNvPr>
+          <p:cNvSpPr txBox="1"/>
+          <p:nvPr/>
+        </p:nvSpPr>
+        <p:spPr>
+          <a:xfrm>
+            <a:off x="3024326" y="3947936"/>
+            <a:ext cx="6143348" cy="2362378"/>
+          </a:xfrm>
+          <a:prstGeom prst="rect">
+            <a:avLst/>
+          </a:prstGeom>
+          <a:solidFill>
+            <a:srgbClr val="F6731A"/>
+          </a:solidFill>
+          <a:effectLst>
+            <a:outerShdw blurRad="50800" dist="38100" dir="5400000" algn="t" rotWithShape="0">
+              <a:prstClr val="black">
+                <a:alpha val="40000"/>
+              </a:prstClr>
+            </a:outerShdw>
+          </a:effectLst>
+        </p:spPr>
+        <p:txBody>
+          <a:bodyPr wrap="square" rtlCol="0">
+            <a:spAutoFit/>
+          </a:bodyPr>
+          <a:lstStyle/>
+          <a:p>
+            <a:pPr marL="285750" indent="-285750">
+              <a:lnSpc>
+                <a:spcPts val="2800"/>
+              </a:lnSpc>
+              <a:spcBef>
+                <a:spcPts val="600"/>
+              </a:spcBef>
+              <a:buFont typeface="Arial" panose="020B0604020202020204" pitchFamily="34" charset="0"/>
+              <a:buChar char="•"/>
+            </a:pPr>
+            <a:r>
+              <a:rPr lang="zh-CN" altLang="en-US" sz="1600">
+                <a:solidFill>
+                  <a:schemeClr val="bg1">
+                    <a:lumMod val="95000"/>
+                  </a:schemeClr>
+                </a:solidFill>
+                <a:latin typeface="Ubuntu Mono" panose="020B0509030602030204" pitchFamily="49" charset="0"/>
+                <a:ea typeface="思源黑体 CN Light" panose="020B0300000000000000" pitchFamily="34" charset="-122"/>
+              </a:rPr>
+              <a:t>尽管正常的流程是这样的，但是你最好是有一个可用的域名。</a:t>
+            </a:r>
+            <a:endParaRPr lang="en-US" altLang="zh-CN" sz="1600">
+              <a:solidFill>
+                <a:schemeClr val="bg1">
+                  <a:lumMod val="95000"/>
+                </a:schemeClr>
+              </a:solidFill>
+              <a:latin typeface="Ubuntu Mono" panose="020B0509030602030204" pitchFamily="49" charset="0"/>
+              <a:ea typeface="思源黑体 CN Light" panose="020B0300000000000000" pitchFamily="34" charset="-122"/>
+            </a:endParaRPr>
+          </a:p>
+          <a:p>
+            <a:pPr marL="285750" indent="-285750">
+              <a:lnSpc>
+                <a:spcPts val="2800"/>
+              </a:lnSpc>
+              <a:spcBef>
+                <a:spcPts val="600"/>
+              </a:spcBef>
+              <a:buFont typeface="Arial" panose="020B0604020202020204" pitchFamily="34" charset="0"/>
+              <a:buChar char="•"/>
+            </a:pPr>
+            <a:r>
+              <a:rPr lang="zh-CN" altLang="en-US" sz="1600">
+                <a:solidFill>
+                  <a:schemeClr val="bg1">
+                    <a:lumMod val="95000"/>
+                  </a:schemeClr>
+                </a:solidFill>
+                <a:latin typeface="Ubuntu Mono" panose="020B0509030602030204" pitchFamily="49" charset="0"/>
+                <a:ea typeface="思源黑体 CN Light" panose="020B0300000000000000" pitchFamily="34" charset="-122"/>
+              </a:rPr>
+              <a:t>或者是注册域名时，不要总是追求短字符串，也不必要求比较个性的域名。</a:t>
+            </a:r>
+            <a:endParaRPr lang="en-US" altLang="zh-CN" sz="1600">
+              <a:solidFill>
+                <a:schemeClr val="bg1">
+                  <a:lumMod val="95000"/>
+                </a:schemeClr>
+              </a:solidFill>
+              <a:latin typeface="Ubuntu Mono" panose="020B0509030602030204" pitchFamily="49" charset="0"/>
+              <a:ea typeface="思源黑体 CN Light" panose="020B0300000000000000" pitchFamily="34" charset="-122"/>
+            </a:endParaRPr>
+          </a:p>
+          <a:p>
+            <a:pPr marL="285750" indent="-285750">
+              <a:lnSpc>
+                <a:spcPts val="2800"/>
+              </a:lnSpc>
+              <a:spcBef>
+                <a:spcPts val="600"/>
+              </a:spcBef>
+              <a:buFont typeface="Arial" panose="020B0604020202020204" pitchFamily="34" charset="0"/>
+              <a:buChar char="•"/>
+            </a:pPr>
+            <a:r>
+              <a:rPr lang="zh-CN" altLang="en-US" sz="1600">
+                <a:solidFill>
+                  <a:schemeClr val="bg1">
+                    <a:lumMod val="95000"/>
+                  </a:schemeClr>
+                </a:solidFill>
+                <a:latin typeface="Ubuntu Mono" panose="020B0509030602030204" pitchFamily="49" charset="0"/>
+                <a:ea typeface="思源黑体 CN Light" panose="020B0300000000000000" pitchFamily="34" charset="-122"/>
+              </a:rPr>
+              <a:t>在之前的申诉上，几次申诉都没有任何结果，并且不会像申诉结果所说的有什么通知。基本上就没有回信了，可能就没有人去管这些事。</a:t>
+            </a:r>
+            <a:endParaRPr lang="en-US" altLang="zh-CN" sz="1600">
+              <a:solidFill>
+                <a:schemeClr val="bg1">
+                  <a:lumMod val="95000"/>
+                </a:schemeClr>
+              </a:solidFill>
+              <a:latin typeface="Ubuntu Mono" panose="020B0509030602030204" pitchFamily="49" charset="0"/>
+              <a:ea typeface="思源黑体 CN Light" panose="020B0300000000000000" pitchFamily="34" charset="-122"/>
+            </a:endParaRPr>
+          </a:p>
+        </p:txBody>
+      </p:sp>
+    </p:spTree>
+    <p:extLst>
+      <p:ext uri="{BB962C8B-B14F-4D97-AF65-F5344CB8AC3E}">
+        <p14:creationId xmlns:p14="http://schemas.microsoft.com/office/powerpoint/2010/main" val="1633189008"/>
+      </p:ext>
+    </p:extLst>
+  </p:cSld>
+  <p:clrMapOvr>
+    <a:masterClrMapping/>
+  </p:clrMapOvr>
+</p:sld>
+</file>
+
 <file path=ppt/slides/slide2.xml><?xml version="1.0" encoding="utf-8"?>
 <p:sld xmlns:a="http://schemas.openxmlformats.org/drawingml/2006/main" xmlns:r="http://schemas.openxmlformats.org/officeDocument/2006/relationships" xmlns:p="http://schemas.openxmlformats.org/presentationml/2006/main">
   <p:cSld>
@@ -3619,63 +4163,45 @@
           <a:chExt cx="0" cy="0"/>
         </a:xfrm>
       </p:grpSpPr>
-      <p:sp>
-        <p:nvSpPr>
-          <p:cNvPr id="2" name="标题 1">
-            <a:extLst>
-              <a:ext uri="{FF2B5EF4-FFF2-40B4-BE49-F238E27FC236}">
-                <a16:creationId xmlns:a16="http://schemas.microsoft.com/office/drawing/2014/main" id="{A120AA4C-488A-4AAD-94EF-B1988083690E}"/>
-              </a:ext>
-            </a:extLst>
-          </p:cNvPr>
-          <p:cNvSpPr>
-            <a:spLocks noGrp="1"/>
-          </p:cNvSpPr>
-          <p:nvPr>
-            <p:ph type="title"/>
-          </p:nvPr>
-        </p:nvSpPr>
-        <p:spPr/>
-        <p:txBody>
-          <a:bodyPr/>
-          <a:lstStyle/>
-          <a:p>
-            <a:r>
-              <a:rPr lang="zh-CN" altLang="en-US"/>
-              <a:t>服务器验证</a:t>
-            </a:r>
-          </a:p>
-        </p:txBody>
-      </p:sp>
-      <p:sp>
-        <p:nvSpPr>
-          <p:cNvPr id="3" name="内容占位符 2">
-            <a:extLst>
-              <a:ext uri="{FF2B5EF4-FFF2-40B4-BE49-F238E27FC236}">
-                <a16:creationId xmlns:a16="http://schemas.microsoft.com/office/drawing/2014/main" id="{97085026-6C03-498C-998E-FB0B7B216CCD}"/>
-              </a:ext>
-            </a:extLst>
-          </p:cNvPr>
-          <p:cNvSpPr>
-            <a:spLocks noGrp="1"/>
-          </p:cNvSpPr>
+      <p:pic>
+        <p:nvPicPr>
+          <p:cNvPr id="5" name="内容占位符 4">
+            <a:extLst>
+              <a:ext uri="{FF2B5EF4-FFF2-40B4-BE49-F238E27FC236}">
+                <a16:creationId xmlns:a16="http://schemas.microsoft.com/office/drawing/2014/main" id="{A0FD99D5-8FCE-4339-8439-A01E7232BDF4}"/>
+              </a:ext>
+            </a:extLst>
+          </p:cNvPr>
+          <p:cNvPicPr>
+            <a:picLocks noGrp="1" noChangeAspect="1"/>
+          </p:cNvPicPr>
           <p:nvPr>
             <p:ph idx="1"/>
           </p:nvPr>
-        </p:nvSpPr>
-        <p:spPr/>
-        <p:txBody>
-          <a:bodyPr/>
-          <a:lstStyle/>
-          <a:p>
-            <a:endParaRPr lang="zh-CN" altLang="en-US"/>
-          </a:p>
-        </p:txBody>
-      </p:sp>
+        </p:nvPicPr>
+        <p:blipFill>
+          <a:blip r:embed="rId2">
+            <a:extLst>
+              <a:ext uri="{28A0092B-C50C-407E-A947-70E740481C1C}">
+                <a14:useLocalDpi xmlns:a14="http://schemas.microsoft.com/office/drawing/2010/main" val="0"/>
+              </a:ext>
+            </a:extLst>
+          </a:blip>
+          <a:stretch>
+            <a:fillRect/>
+          </a:stretch>
+        </p:blipFill>
+        <p:spPr>
+          <a:xfrm>
+            <a:off x="454415" y="345736"/>
+            <a:ext cx="11283169" cy="6348027"/>
+          </a:xfrm>
+        </p:spPr>
+      </p:pic>
     </p:spTree>
     <p:extLst>
       <p:ext uri="{BB962C8B-B14F-4D97-AF65-F5344CB8AC3E}">
-        <p14:creationId xmlns:p14="http://schemas.microsoft.com/office/powerpoint/2010/main" val="3930959555"/>
+        <p14:creationId xmlns:p14="http://schemas.microsoft.com/office/powerpoint/2010/main" val="1799801870"/>
       </p:ext>
     </p:extLst>
   </p:cSld>
@@ -3725,7 +4251,7 @@
           <a:p>
             <a:r>
               <a:rPr lang="zh-CN" altLang="en-US"/>
-              <a:t>处理消息的过程</a:t>
+              <a:t>服务器验证</a:t>
             </a:r>
           </a:p>
         </p:txBody>
@@ -3751,14 +4277,84 @@
           <a:bodyPr/>
           <a:lstStyle/>
           <a:p>
-            <a:endParaRPr lang="zh-CN" altLang="en-US"/>
-          </a:p>
-        </p:txBody>
-      </p:sp>
+            <a:r>
+              <a:rPr lang="zh-CN" altLang="en-US"/>
+              <a:t>要开启微信服务器和开发者服务器通信，就要先进行验证。</a:t>
+            </a:r>
+            <a:endParaRPr lang="en-US" altLang="zh-CN"/>
+          </a:p>
+          <a:p>
+            <a:r>
+              <a:rPr lang="zh-CN" altLang="en-US"/>
+              <a:t>设置页面在：开发</a:t>
+            </a:r>
+            <a:r>
+              <a:rPr lang="en-US" altLang="zh-CN"/>
+              <a:t>》</a:t>
+            </a:r>
+            <a:r>
+              <a:rPr lang="zh-CN" altLang="en-US"/>
+              <a:t>基本配置。</a:t>
+            </a:r>
+            <a:endParaRPr lang="en-US" altLang="zh-CN"/>
+          </a:p>
+          <a:p>
+            <a:r>
+              <a:rPr lang="zh-CN" altLang="en-US"/>
+              <a:t>这里的填写方式，在</a:t>
+            </a:r>
+            <a:r>
+              <a:rPr lang="zh-CN" altLang="en-US" b="1"/>
+              <a:t>测试号</a:t>
+            </a:r>
+            <a:r>
+              <a:rPr lang="zh-CN" altLang="en-US"/>
+              <a:t>中也是同样的，只是没有消息加解密密钥和加密方式两项。</a:t>
+            </a:r>
+            <a:endParaRPr lang="en-US" altLang="zh-CN"/>
+          </a:p>
+        </p:txBody>
+      </p:sp>
+      <p:pic>
+        <p:nvPicPr>
+          <p:cNvPr id="5" name="图片 4">
+            <a:extLst>
+              <a:ext uri="{FF2B5EF4-FFF2-40B4-BE49-F238E27FC236}">
+                <a16:creationId xmlns:a16="http://schemas.microsoft.com/office/drawing/2014/main" id="{5EDF7BEA-7848-4AD5-9BC9-4EF6026C6BDD}"/>
+              </a:ext>
+            </a:extLst>
+          </p:cNvPr>
+          <p:cNvPicPr>
+            <a:picLocks noChangeAspect="1"/>
+          </p:cNvPicPr>
+          <p:nvPr/>
+        </p:nvPicPr>
+        <p:blipFill>
+          <a:blip r:embed="rId2">
+            <a:extLst>
+              <a:ext uri="{28A0092B-C50C-407E-A947-70E740481C1C}">
+                <a14:useLocalDpi xmlns:a14="http://schemas.microsoft.com/office/drawing/2010/main" val="0"/>
+              </a:ext>
+            </a:extLst>
+          </a:blip>
+          <a:stretch>
+            <a:fillRect/>
+          </a:stretch>
+        </p:blipFill>
+        <p:spPr>
+          <a:xfrm>
+            <a:off x="970107" y="3414199"/>
+            <a:ext cx="10500360" cy="3048000"/>
+          </a:xfrm>
+          <a:prstGeom prst="rect">
+            <a:avLst/>
+          </a:prstGeom>
+        </p:spPr>
+      </p:pic>
     </p:spTree>
     <p:extLst>
       <p:ext uri="{BB962C8B-B14F-4D97-AF65-F5344CB8AC3E}">
-        <p14:creationId xmlns:p14="http://schemas.microsoft.com/office/powerpoint/2010/main" val="3739701447"/>
+        <p14:creationId xmlns:p14="http://schemas.microsoft.com/office/powerpoint/2010/main" val="3930959555"/>
       </p:ext>
     </p:extLst>
   </p:cSld>
@@ -3803,52 +4399,255 @@
         </p:nvSpPr>
         <p:spPr/>
         <p:txBody>
+          <a:bodyPr/>
+          <a:lstStyle/>
+          <a:p>
+            <a:r>
+              <a:rPr lang="zh-CN" altLang="en-US"/>
+              <a:t>服务器验证</a:t>
+            </a:r>
+          </a:p>
+        </p:txBody>
+      </p:sp>
+      <p:sp>
+        <p:nvSpPr>
+          <p:cNvPr id="3" name="内容占位符 2">
+            <a:extLst>
+              <a:ext uri="{FF2B5EF4-FFF2-40B4-BE49-F238E27FC236}">
+                <a16:creationId xmlns:a16="http://schemas.microsoft.com/office/drawing/2014/main" id="{97085026-6C03-498C-998E-FB0B7B216CCD}"/>
+              </a:ext>
+            </a:extLst>
+          </p:cNvPr>
+          <p:cNvSpPr>
+            <a:spLocks noGrp="1"/>
+          </p:cNvSpPr>
+          <p:nvPr>
+            <p:ph idx="1"/>
+          </p:nvPr>
+        </p:nvSpPr>
+        <p:spPr/>
+        <p:txBody>
           <a:bodyPr>
             <a:normAutofit/>
           </a:bodyPr>
           <a:lstStyle/>
           <a:p>
             <a:r>
-              <a:rPr lang="zh-CN" altLang="en-US"/>
-              <a:t>解析</a:t>
+              <a:rPr lang="zh-CN" altLang="en-US" b="1"/>
+              <a:t>填写的</a:t>
+            </a:r>
+            <a:r>
+              <a:rPr lang="en-US" altLang="zh-CN" b="1"/>
+              <a:t>URL</a:t>
+            </a:r>
+            <a:r>
+              <a:rPr lang="zh-CN" altLang="en-US" b="1"/>
+              <a:t>不支持端口号，并且不支持</a:t>
+            </a:r>
+            <a:r>
+              <a:rPr lang="en-US" altLang="zh-CN" b="1"/>
+              <a:t>IP</a:t>
+            </a:r>
+            <a:r>
+              <a:rPr lang="zh-CN" altLang="en-US" b="1"/>
+              <a:t>地址，注意域名不能被微信封杀。</a:t>
+            </a:r>
+            <a:endParaRPr lang="en-US" altLang="zh-CN" b="1"/>
+          </a:p>
+          <a:p>
+            <a:r>
+              <a:rPr lang="zh-CN" altLang="en-US"/>
+              <a:t>只填写是不行的，需要你在服务端开启验证程序，验证过程，微信服务器会发送请求。</a:t>
+            </a:r>
+            <a:endParaRPr lang="en-US" altLang="zh-CN"/>
+          </a:p>
+          <a:p>
+            <a:r>
+              <a:rPr lang="zh-CN" altLang="en-US"/>
+              <a:t>开发者服务器的程序按照指定的方式进行处理并返回结果。</a:t>
+            </a:r>
+            <a:endParaRPr lang="en-US" altLang="zh-CN"/>
+          </a:p>
+          <a:p>
+            <a:endParaRPr lang="en-US" altLang="zh-CN"/>
+          </a:p>
+          <a:p>
+            <a:r>
+              <a:rPr lang="zh-CN" altLang="en-US"/>
+              <a:t>验证开启，微信服务器会向填写的</a:t>
             </a:r>
             <a:r>
               <a:rPr lang="en-US" altLang="zh-CN"/>
-              <a:t>xml</a:t>
-            </a:r>
-            <a:endParaRPr lang="zh-CN" altLang="en-US"/>
-          </a:p>
-        </p:txBody>
-      </p:sp>
-      <p:sp>
-        <p:nvSpPr>
-          <p:cNvPr id="3" name="内容占位符 2">
-            <a:extLst>
-              <a:ext uri="{FF2B5EF4-FFF2-40B4-BE49-F238E27FC236}">
-                <a16:creationId xmlns:a16="http://schemas.microsoft.com/office/drawing/2014/main" id="{97085026-6C03-498C-998E-FB0B7B216CCD}"/>
-              </a:ext>
-            </a:extLst>
-          </p:cNvPr>
-          <p:cNvSpPr>
-            <a:spLocks noGrp="1"/>
-          </p:cNvSpPr>
-          <p:nvPr>
-            <p:ph idx="1"/>
-          </p:nvPr>
-        </p:nvSpPr>
-        <p:spPr/>
-        <p:txBody>
-          <a:bodyPr/>
-          <a:lstStyle/>
-          <a:p>
-            <a:endParaRPr lang="zh-CN" altLang="en-US"/>
+              <a:t>URL</a:t>
+            </a:r>
+            <a:r>
+              <a:rPr lang="zh-CN" altLang="en-US"/>
+              <a:t>发送</a:t>
+            </a:r>
+            <a:r>
+              <a:rPr lang="en-US" altLang="zh-CN"/>
+              <a:t>GET</a:t>
+            </a:r>
+            <a:r>
+              <a:rPr lang="zh-CN" altLang="en-US"/>
+              <a:t>请求，并在</a:t>
+            </a:r>
+            <a:r>
+              <a:rPr lang="en-US" altLang="zh-CN"/>
+              <a:t>URL</a:t>
+            </a:r>
+            <a:r>
+              <a:rPr lang="zh-CN" altLang="en-US"/>
+              <a:t>中携带以下参数：</a:t>
+            </a:r>
+            <a:endParaRPr lang="en-US" altLang="zh-CN"/>
+          </a:p>
+          <a:p>
+            <a:pPr lvl="1">
+              <a:spcBef>
+                <a:spcPts val="600"/>
+              </a:spcBef>
+            </a:pPr>
+            <a:r>
+              <a:rPr lang="en-US" altLang="zh-CN" sz="2000" i="0" u="none" strike="noStrike">
+                <a:solidFill>
+                  <a:prstClr val="black"/>
+                </a:solidFill>
+              </a:rPr>
+              <a:t>signature</a:t>
+            </a:r>
+            <a:r>
+              <a:rPr lang="zh-CN" altLang="en-US" sz="2000" i="0" u="none" strike="noStrike">
+                <a:solidFill>
+                  <a:prstClr val="black"/>
+                </a:solidFill>
+              </a:rPr>
+              <a:t>：验证签名，由</a:t>
+            </a:r>
+            <a:r>
+              <a:rPr lang="en-US" altLang="zh-CN" sz="2000" i="0" u="none" strike="noStrike">
+                <a:solidFill>
+                  <a:prstClr val="black"/>
+                </a:solidFill>
+              </a:rPr>
+              <a:t>token</a:t>
+            </a:r>
+            <a:r>
+              <a:rPr lang="zh-CN" altLang="en-US" sz="2000" i="0" u="none" strike="noStrike">
+                <a:solidFill>
+                  <a:prstClr val="black"/>
+                </a:solidFill>
+              </a:rPr>
+              <a:t>、</a:t>
+            </a:r>
+            <a:r>
+              <a:rPr lang="en-US" altLang="zh-CN" sz="2000" i="0" u="none" strike="noStrike">
+                <a:solidFill>
+                  <a:prstClr val="black"/>
+                </a:solidFill>
+              </a:rPr>
+              <a:t>timestamp</a:t>
+            </a:r>
+            <a:r>
+              <a:rPr lang="zh-CN" altLang="en-US" sz="2000" i="0" u="none" strike="noStrike">
+                <a:solidFill>
+                  <a:prstClr val="black"/>
+                </a:solidFill>
+              </a:rPr>
+              <a:t>、</a:t>
+            </a:r>
+            <a:r>
+              <a:rPr lang="en-US" altLang="zh-CN" sz="2000" i="0" u="none" strike="noStrike">
+                <a:solidFill>
+                  <a:prstClr val="black"/>
+                </a:solidFill>
+              </a:rPr>
+              <a:t>nonce</a:t>
+            </a:r>
+            <a:r>
+              <a:rPr lang="zh-CN" altLang="en-US" sz="2000" i="0" u="none" strike="noStrike">
+                <a:solidFill>
+                  <a:prstClr val="black"/>
+                </a:solidFill>
+              </a:rPr>
+              <a:t>生成</a:t>
+            </a:r>
+          </a:p>
+          <a:p>
+            <a:pPr lvl="1">
+              <a:spcBef>
+                <a:spcPts val="600"/>
+              </a:spcBef>
+            </a:pPr>
+            <a:r>
+              <a:rPr lang="en-US" altLang="zh-CN" sz="2000" i="0" u="none" strike="noStrike">
+                <a:solidFill>
+                  <a:prstClr val="black"/>
+                </a:solidFill>
+              </a:rPr>
+              <a:t>timestamp</a:t>
+            </a:r>
+            <a:r>
+              <a:rPr lang="zh-CN" altLang="en-US" sz="2000" i="0" u="none" strike="noStrike">
+                <a:solidFill>
+                  <a:prstClr val="black"/>
+                </a:solidFill>
+              </a:rPr>
+              <a:t>：时间戳</a:t>
+            </a:r>
+          </a:p>
+          <a:p>
+            <a:pPr lvl="1">
+              <a:spcBef>
+                <a:spcPts val="600"/>
+              </a:spcBef>
+            </a:pPr>
+            <a:r>
+              <a:rPr lang="en-US" altLang="zh-CN" sz="2000" i="0" u="none" strike="noStrike">
+                <a:solidFill>
+                  <a:prstClr val="black"/>
+                </a:solidFill>
+              </a:rPr>
+              <a:t>nonce</a:t>
+            </a:r>
+            <a:r>
+              <a:rPr lang="zh-CN" altLang="en-US" sz="2000" i="0" u="none" strike="noStrike">
+                <a:solidFill>
+                  <a:prstClr val="black"/>
+                </a:solidFill>
+              </a:rPr>
+              <a:t>：随机数</a:t>
+            </a:r>
+          </a:p>
+          <a:p>
+            <a:pPr lvl="1">
+              <a:spcBef>
+                <a:spcPts val="600"/>
+              </a:spcBef>
+            </a:pPr>
+            <a:r>
+              <a:rPr lang="en-US" altLang="zh-CN" sz="2000" i="0" u="none" strike="noStrike">
+                <a:solidFill>
+                  <a:prstClr val="black"/>
+                </a:solidFill>
+              </a:rPr>
+              <a:t>echostr</a:t>
+            </a:r>
+            <a:r>
+              <a:rPr lang="zh-CN" altLang="en-US" sz="2000" i="0" u="none" strike="noStrike">
+                <a:solidFill>
+                  <a:prstClr val="black"/>
+                </a:solidFill>
+              </a:rPr>
+              <a:t>：随机字符串</a:t>
+            </a:r>
           </a:p>
         </p:txBody>
       </p:sp>
     </p:spTree>
     <p:extLst>
       <p:ext uri="{BB962C8B-B14F-4D97-AF65-F5344CB8AC3E}">
-        <p14:creationId xmlns:p14="http://schemas.microsoft.com/office/powerpoint/2010/main" val="3093706499"/>
+        <p14:creationId xmlns:p14="http://schemas.microsoft.com/office/powerpoint/2010/main" val="4224034348"/>
       </p:ext>
     </p:extLst>
   </p:cSld>
@@ -3880,7 +4679,7 @@
           <p:cNvPr id="2" name="标题 1">
             <a:extLst>
               <a:ext uri="{FF2B5EF4-FFF2-40B4-BE49-F238E27FC236}">
-                <a16:creationId xmlns:a16="http://schemas.microsoft.com/office/drawing/2014/main" id="{8EC316A7-C113-4E3B-B63F-E5F95F0FDEE4}"/>
+                <a16:creationId xmlns:a16="http://schemas.microsoft.com/office/drawing/2014/main" id="{F6155F85-1FCD-4687-88F4-880597319DC7}"/>
               </a:ext>
             </a:extLst>
           </p:cNvPr>
@@ -3898,7 +4697,7 @@
           <a:p>
             <a:r>
               <a:rPr lang="zh-CN" altLang="en-US"/>
-              <a:t>回复消息的简单示例</a:t>
+              <a:t>开发者服务器验证的处理过程</a:t>
             </a:r>
           </a:p>
         </p:txBody>
@@ -3908,7 +4707,7 @@
           <p:cNvPr id="3" name="内容占位符 2">
             <a:extLst>
               <a:ext uri="{FF2B5EF4-FFF2-40B4-BE49-F238E27FC236}">
-                <a16:creationId xmlns:a16="http://schemas.microsoft.com/office/drawing/2014/main" id="{985709F1-043C-4EAF-9103-29708F2D9735}"/>
+                <a16:creationId xmlns:a16="http://schemas.microsoft.com/office/drawing/2014/main" id="{DC3352FC-B355-4515-8230-762ED1CE48A5}"/>
               </a:ext>
             </a:extLst>
           </p:cNvPr>
@@ -3924,14 +4723,196 @@
           <a:bodyPr/>
           <a:lstStyle/>
           <a:p>
-            <a:endParaRPr lang="zh-CN" altLang="en-US"/>
+            <a:r>
+              <a:rPr lang="zh-CN" altLang="en-US" b="0" i="0" u="none" strike="noStrike">
+                <a:solidFill>
+                  <a:prstClr val="black"/>
+                </a:solidFill>
+              </a:rPr>
+              <a:t>将</a:t>
+            </a:r>
+            <a:r>
+              <a:rPr lang="en-US" altLang="zh-CN" b="0" i="0" u="none" strike="noStrike">
+                <a:solidFill>
+                  <a:prstClr val="black"/>
+                </a:solidFill>
+              </a:rPr>
+              <a:t>token</a:t>
+            </a:r>
+            <a:r>
+              <a:rPr lang="zh-CN" altLang="en-US" b="0" i="0" u="none" strike="noStrike">
+                <a:solidFill>
+                  <a:prstClr val="black"/>
+                </a:solidFill>
+              </a:rPr>
+              <a:t>、</a:t>
+            </a:r>
+            <a:r>
+              <a:rPr lang="en-US" altLang="zh-CN" b="0" i="0" u="none" strike="noStrike">
+                <a:solidFill>
+                  <a:prstClr val="black"/>
+                </a:solidFill>
+              </a:rPr>
+              <a:t>nonce</a:t>
+            </a:r>
+            <a:r>
+              <a:rPr lang="zh-CN" altLang="en-US" b="0" i="0" u="none" strike="noStrike">
+                <a:solidFill>
+                  <a:prstClr val="black"/>
+                </a:solidFill>
+              </a:rPr>
+              <a:t>、</a:t>
+            </a:r>
+            <a:r>
+              <a:rPr lang="en-US" altLang="zh-CN" b="0" i="0" u="none" strike="noStrike">
+                <a:solidFill>
+                  <a:prstClr val="black"/>
+                </a:solidFill>
+              </a:rPr>
+              <a:t>timestamp</a:t>
+            </a:r>
+            <a:r>
+              <a:rPr lang="zh-CN" altLang="en-US" b="0" i="0" u="none" strike="noStrike">
+                <a:solidFill>
+                  <a:prstClr val="black"/>
+                </a:solidFill>
+              </a:rPr>
+              <a:t>三个参数进行字典排序。</a:t>
+            </a:r>
+          </a:p>
+          <a:p>
+            <a:r>
+              <a:rPr lang="zh-CN" altLang="en-US" b="0" i="0" u="none" strike="noStrike">
+                <a:solidFill>
+                  <a:prstClr val="black"/>
+                </a:solidFill>
+              </a:rPr>
+              <a:t>排序后拼接成一个字符串并进行</a:t>
+            </a:r>
+            <a:r>
+              <a:rPr lang="en-US" altLang="zh-CN" b="0" i="0" u="none" strike="noStrike">
+                <a:solidFill>
+                  <a:prstClr val="black"/>
+                </a:solidFill>
+              </a:rPr>
+              <a:t>sha1</a:t>
+            </a:r>
+            <a:r>
+              <a:rPr lang="zh-CN" altLang="en-US" b="0" i="0" u="none" strike="noStrike">
+                <a:solidFill>
+                  <a:prstClr val="black"/>
+                </a:solidFill>
+              </a:rPr>
+              <a:t>加密。</a:t>
+            </a:r>
+          </a:p>
+          <a:p>
+            <a:r>
+              <a:rPr lang="zh-CN" altLang="en-US" b="0" i="0" u="none" strike="noStrike">
+                <a:solidFill>
+                  <a:prstClr val="black"/>
+                </a:solidFill>
+              </a:rPr>
+              <a:t>加密后的字符串与请求的</a:t>
+            </a:r>
+            <a:r>
+              <a:rPr lang="en-US" altLang="zh-CN" b="0" i="0" u="none" strike="noStrike">
+                <a:solidFill>
+                  <a:prstClr val="black"/>
+                </a:solidFill>
+              </a:rPr>
+              <a:t>signature</a:t>
+            </a:r>
+            <a:r>
+              <a:rPr lang="zh-CN" altLang="en-US" b="0" i="0" u="none" strike="noStrike">
+                <a:solidFill>
+                  <a:prstClr val="black"/>
+                </a:solidFill>
+              </a:rPr>
+              <a:t>对比。如果相同则返回请求中的参数</a:t>
+            </a:r>
+            <a:r>
+              <a:rPr lang="en-US" altLang="zh-CN" b="0" i="0" u="none" strike="noStrike">
+                <a:solidFill>
+                  <a:prstClr val="black"/>
+                </a:solidFill>
+              </a:rPr>
+              <a:t>echostr</a:t>
+            </a:r>
+            <a:r>
+              <a:rPr lang="zh-CN" altLang="en-US" b="0" i="0" u="none" strike="noStrike">
+                <a:solidFill>
+                  <a:prstClr val="black"/>
+                </a:solidFill>
+              </a:rPr>
+              <a:t>。</a:t>
+            </a:r>
+            <a:endParaRPr lang="en-US" altLang="zh-CN" b="0" i="0" u="none" strike="noStrike">
+              <a:solidFill>
+                <a:prstClr val="black"/>
+              </a:solidFill>
+            </a:endParaRPr>
+          </a:p>
+          <a:p>
+            <a:endParaRPr lang="en-US" altLang="zh-CN" b="0" i="0" u="none" strike="noStrike">
+              <a:solidFill>
+                <a:prstClr val="black"/>
+              </a:solidFill>
+            </a:endParaRPr>
+          </a:p>
+          <a:p>
+            <a:r>
+              <a:rPr lang="zh-CN" altLang="en-US">
+                <a:solidFill>
+                  <a:prstClr val="black"/>
+                </a:solidFill>
+              </a:rPr>
+              <a:t>在后续的消息转发过程中，采用</a:t>
+            </a:r>
+            <a:r>
+              <a:rPr lang="en-US" altLang="zh-CN">
+                <a:solidFill>
+                  <a:prstClr val="black"/>
+                </a:solidFill>
+              </a:rPr>
+              <a:t>POST</a:t>
+            </a:r>
+            <a:r>
+              <a:rPr lang="zh-CN" altLang="en-US">
+                <a:solidFill>
+                  <a:prstClr val="black"/>
+                </a:solidFill>
+              </a:rPr>
+              <a:t>请求，但是</a:t>
+            </a:r>
+            <a:r>
+              <a:rPr lang="en-US" altLang="zh-CN">
+                <a:solidFill>
+                  <a:prstClr val="black"/>
+                </a:solidFill>
+              </a:rPr>
+              <a:t>URL</a:t>
+            </a:r>
+            <a:r>
+              <a:rPr lang="zh-CN" altLang="en-US">
+                <a:solidFill>
+                  <a:prstClr val="black"/>
+                </a:solidFill>
+              </a:rPr>
+              <a:t>仍然会携带这几个参数，目的是为了安全验证。出于安全考虑，开发者服务器每次接收消息处理之前都要进行验证，用以标识请求确实来自于微信服务器的转发。</a:t>
+            </a:r>
+            <a:endParaRPr lang="zh-CN" altLang="en-US" b="0" i="0" u="none" strike="noStrike">
+              <a:solidFill>
+                <a:prstClr val="black"/>
+              </a:solidFill>
+            </a:endParaRPr>
           </a:p>
         </p:txBody>
       </p:sp>
     </p:spTree>
     <p:extLst>
       <p:ext uri="{BB962C8B-B14F-4D97-AF65-F5344CB8AC3E}">
-        <p14:creationId xmlns:p14="http://schemas.microsoft.com/office/powerpoint/2010/main" val="648880728"/>
+        <p14:creationId xmlns:p14="http://schemas.microsoft.com/office/powerpoint/2010/main" val="3948937800"/>
       </p:ext>
     </p:extLst>
   </p:cSld>
@@ -3958,65 +4939,45 @@
           <a:chExt cx="0" cy="0"/>
         </a:xfrm>
       </p:grpSpPr>
-      <p:sp>
-        <p:nvSpPr>
-          <p:cNvPr id="2" name="标题 1">
-            <a:extLst>
-              <a:ext uri="{FF2B5EF4-FFF2-40B4-BE49-F238E27FC236}">
-                <a16:creationId xmlns:a16="http://schemas.microsoft.com/office/drawing/2014/main" id="{A120AA4C-488A-4AAD-94EF-B1988083690E}"/>
-              </a:ext>
-            </a:extLst>
-          </p:cNvPr>
-          <p:cNvSpPr>
-            <a:spLocks noGrp="1"/>
-          </p:cNvSpPr>
-          <p:nvPr>
-            <p:ph type="title"/>
-          </p:nvPr>
-        </p:nvSpPr>
-        <p:spPr/>
-        <p:txBody>
-          <a:bodyPr>
-            <a:normAutofit/>
-          </a:bodyPr>
-          <a:lstStyle/>
-          <a:p>
-            <a:r>
-              <a:rPr lang="zh-CN" altLang="en-US"/>
-              <a:t>原样返回消息</a:t>
-            </a:r>
-          </a:p>
-        </p:txBody>
-      </p:sp>
-      <p:sp>
-        <p:nvSpPr>
-          <p:cNvPr id="3" name="内容占位符 2">
-            <a:extLst>
-              <a:ext uri="{FF2B5EF4-FFF2-40B4-BE49-F238E27FC236}">
-                <a16:creationId xmlns:a16="http://schemas.microsoft.com/office/drawing/2014/main" id="{97085026-6C03-498C-998E-FB0B7B216CCD}"/>
-              </a:ext>
-            </a:extLst>
-          </p:cNvPr>
-          <p:cNvSpPr>
-            <a:spLocks noGrp="1"/>
-          </p:cNvSpPr>
+      <p:pic>
+        <p:nvPicPr>
+          <p:cNvPr id="6" name="内容占位符 5">
+            <a:extLst>
+              <a:ext uri="{FF2B5EF4-FFF2-40B4-BE49-F238E27FC236}">
+                <a16:creationId xmlns:a16="http://schemas.microsoft.com/office/drawing/2014/main" id="{64D37AD6-3768-4695-8B56-4106CF71056B}"/>
+              </a:ext>
+            </a:extLst>
+          </p:cNvPr>
+          <p:cNvPicPr>
+            <a:picLocks noGrp="1" noChangeAspect="1"/>
+          </p:cNvPicPr>
           <p:nvPr>
             <p:ph idx="1"/>
           </p:nvPr>
-        </p:nvSpPr>
-        <p:spPr/>
-        <p:txBody>
-          <a:bodyPr/>
-          <a:lstStyle/>
-          <a:p>
-            <a:endParaRPr lang="zh-CN" altLang="en-US"/>
-          </a:p>
-        </p:txBody>
-      </p:sp>
+        </p:nvPicPr>
+        <p:blipFill>
+          <a:blip r:embed="rId2">
+            <a:extLst>
+              <a:ext uri="{28A0092B-C50C-407E-A947-70E740481C1C}">
+                <a14:useLocalDpi xmlns:a14="http://schemas.microsoft.com/office/drawing/2010/main" val="0"/>
+              </a:ext>
+            </a:extLst>
+          </a:blip>
+          <a:stretch>
+            <a:fillRect/>
+          </a:stretch>
+        </p:blipFill>
+        <p:spPr>
+          <a:xfrm>
+            <a:off x="311258" y="159307"/>
+            <a:ext cx="11569483" cy="6509110"/>
+          </a:xfrm>
+        </p:spPr>
+      </p:pic>
     </p:spTree>
     <p:extLst>
       <p:ext uri="{BB962C8B-B14F-4D97-AF65-F5344CB8AC3E}">
-        <p14:creationId xmlns:p14="http://schemas.microsoft.com/office/powerpoint/2010/main" val="2884748437"/>
+        <p14:creationId xmlns:p14="http://schemas.microsoft.com/office/powerpoint/2010/main" val="3739701447"/>
       </p:ext>
     </p:extLst>
   </p:cSld>
@@ -4068,7 +5029,23 @@
           <a:p>
             <a:r>
               <a:rPr lang="zh-CN" altLang="en-US"/>
-              <a:t>关键词回复</a:t>
+              <a:t>解析</a:t>
+            </a:r>
+            <a:r>
+              <a:rPr lang="en-US" altLang="zh-CN"/>
+              <a:t>XML</a:t>
+            </a:r>
+            <a:r>
+              <a:rPr lang="zh-CN" altLang="en-US"/>
+              <a:t>和格式化</a:t>
+            </a:r>
+            <a:r>
+              <a:rPr lang="en-US" altLang="zh-CN"/>
+              <a:t>XML</a:t>
+            </a:r>
+            <a:r>
+              <a:rPr lang="zh-CN" altLang="en-US"/>
+              <a:t>文本</a:t>
             </a:r>
           </a:p>
         </p:txBody>
@@ -4094,14 +5071,86 @@
           <a:bodyPr/>
           <a:lstStyle/>
           <a:p>
-            <a:endParaRPr lang="zh-CN" altLang="en-US"/>
+            <a:r>
+              <a:rPr lang="en-US" altLang="zh-CN"/>
+              <a:t>Node.js</a:t>
+            </a:r>
+            <a:r>
+              <a:rPr lang="zh-CN" altLang="en-US"/>
+              <a:t>扩展</a:t>
+            </a:r>
+            <a:r>
+              <a:rPr lang="en-US" altLang="zh-CN"/>
+              <a:t>xml2js</a:t>
+            </a:r>
+            <a:r>
+              <a:rPr lang="zh-CN" altLang="en-US"/>
+              <a:t>可以解析</a:t>
+            </a:r>
+            <a:r>
+              <a:rPr lang="en-US" altLang="zh-CN"/>
+              <a:t>XML</a:t>
+            </a:r>
+            <a:r>
+              <a:rPr lang="zh-CN" altLang="en-US"/>
+              <a:t>到一个</a:t>
+            </a:r>
+            <a:r>
+              <a:rPr lang="en-US" altLang="zh-CN"/>
+              <a:t>JS</a:t>
+            </a:r>
+            <a:r>
+              <a:rPr lang="zh-CN" altLang="en-US"/>
+              <a:t>对象。</a:t>
+            </a:r>
+            <a:endParaRPr lang="en-US" altLang="zh-CN"/>
+          </a:p>
+          <a:p>
+            <a:r>
+              <a:rPr lang="zh-CN" altLang="en-US"/>
+              <a:t>而格式化</a:t>
+            </a:r>
+            <a:r>
+              <a:rPr lang="en-US" altLang="zh-CN"/>
+              <a:t>XML</a:t>
+            </a:r>
+            <a:r>
+              <a:rPr lang="zh-CN" altLang="en-US"/>
+              <a:t>文本相对来说要简单。</a:t>
+            </a:r>
+            <a:endParaRPr lang="en-US" altLang="zh-CN"/>
+          </a:p>
+          <a:p>
+            <a:endParaRPr lang="en-US" altLang="zh-CN"/>
+          </a:p>
+          <a:p>
+            <a:r>
+              <a:rPr lang="zh-CN" altLang="en-US"/>
+              <a:t>在示例代码中，不是把一个对象通过扩展来格式化字符串，而是使用</a:t>
+            </a:r>
+            <a:r>
+              <a:rPr lang="en-US" altLang="zh-CN"/>
+              <a:t>JS</a:t>
+            </a:r>
+            <a:r>
+              <a:rPr lang="zh-CN" altLang="en-US"/>
+              <a:t>的格式化字符串。</a:t>
+            </a:r>
+            <a:endParaRPr lang="en-US" altLang="zh-CN"/>
+          </a:p>
+          <a:p>
+            <a:r>
+              <a:rPr lang="zh-CN" altLang="en-US"/>
+              <a:t>模板字符串是根据微信消息格式编写好的。</a:t>
+            </a:r>
+            <a:endParaRPr lang="en-US" altLang="zh-CN"/>
           </a:p>
         </p:txBody>
       </p:sp>
     </p:spTree>
     <p:extLst>
       <p:ext uri="{BB962C8B-B14F-4D97-AF65-F5344CB8AC3E}">
-        <p14:creationId xmlns:p14="http://schemas.microsoft.com/office/powerpoint/2010/main" val="869764102"/>
+        <p14:creationId xmlns:p14="http://schemas.microsoft.com/office/powerpoint/2010/main" val="3093706499"/>
       </p:ext>
     </p:extLst>
   </p:cSld>
@@ -4133,7 +5182,7 @@
           <p:cNvPr id="2" name="标题 1">
             <a:extLst>
               <a:ext uri="{FF2B5EF4-FFF2-40B4-BE49-F238E27FC236}">
-                <a16:creationId xmlns:a16="http://schemas.microsoft.com/office/drawing/2014/main" id="{F8012090-F476-430F-B53E-B70DDD5A2638}"/>
+                <a16:creationId xmlns:a16="http://schemas.microsoft.com/office/drawing/2014/main" id="{8EC316A7-C113-4E3B-B63F-E5F95F0FDEE4}"/>
               </a:ext>
             </a:extLst>
           </p:cNvPr>
@@ -4151,7 +5200,7 @@
           <a:p>
             <a:r>
               <a:rPr lang="zh-CN" altLang="en-US"/>
-              <a:t>设计程序结构</a:t>
+              <a:t>回复消息</a:t>
             </a:r>
           </a:p>
         </p:txBody>
@@ -4161,7 +5210,7 @@
           <p:cNvPr id="3" name="内容占位符 2">
             <a:extLst>
               <a:ext uri="{FF2B5EF4-FFF2-40B4-BE49-F238E27FC236}">
-                <a16:creationId xmlns:a16="http://schemas.microsoft.com/office/drawing/2014/main" id="{735F0261-95EF-4A77-903C-0C589150A92E}"/>
+                <a16:creationId xmlns:a16="http://schemas.microsoft.com/office/drawing/2014/main" id="{985709F1-043C-4EAF-9103-29708F2D9735}"/>
               </a:ext>
             </a:extLst>
           </p:cNvPr>
@@ -4177,14 +5226,84 @@
           <a:bodyPr/>
           <a:lstStyle/>
           <a:p>
-            <a:endParaRPr lang="zh-CN" altLang="en-US"/>
+            <a:r>
+              <a:rPr lang="zh-CN" altLang="en-US"/>
+              <a:t>消息的回复就是在微信服务器请求时，按照指定的</a:t>
+            </a:r>
+            <a:r>
+              <a:rPr lang="en-US" altLang="zh-CN"/>
+              <a:t>XML</a:t>
+            </a:r>
+            <a:r>
+              <a:rPr lang="zh-CN" altLang="en-US"/>
+              <a:t>格式返回结果。</a:t>
+            </a:r>
+            <a:endParaRPr lang="en-US" altLang="zh-CN"/>
+          </a:p>
+          <a:p>
+            <a:r>
+              <a:rPr lang="zh-CN" altLang="en-US"/>
+              <a:t>回复消息的类型按照开发文档的格式来进行格式化处理。</a:t>
+            </a:r>
+            <a:endParaRPr lang="en-US" altLang="zh-CN"/>
+          </a:p>
+          <a:p>
+            <a:endParaRPr lang="en-US" altLang="zh-CN"/>
+          </a:p>
+          <a:p>
+            <a:r>
+              <a:rPr lang="zh-CN" altLang="en-US"/>
+              <a:t>需要注意的是，到目前为止，视频类型的消息，还是无法回复的，这是一个存在已久的</a:t>
+            </a:r>
+            <a:r>
+              <a:rPr lang="en-US" altLang="zh-CN"/>
+              <a:t>bug</a:t>
+            </a:r>
+            <a:r>
+              <a:rPr lang="zh-CN" altLang="en-US"/>
+              <a:t>。</a:t>
+            </a:r>
+            <a:endParaRPr lang="en-US" altLang="zh-CN"/>
+          </a:p>
+          <a:p>
+            <a:endParaRPr lang="en-US" altLang="zh-CN"/>
+          </a:p>
+          <a:p>
+            <a:r>
+              <a:rPr lang="zh-CN" altLang="en-US"/>
+              <a:t>从之前的</a:t>
+            </a:r>
+            <a:r>
+              <a:rPr lang="en-US" altLang="zh-CN"/>
+              <a:t>XML</a:t>
+            </a:r>
+            <a:r>
+              <a:rPr lang="zh-CN" altLang="en-US"/>
+              <a:t>消息格式来看，回复消息，需要把</a:t>
+            </a:r>
+            <a:r>
+              <a:rPr lang="en-US" altLang="zh-CN"/>
+              <a:t>FromUserName</a:t>
+            </a:r>
+            <a:r>
+              <a:rPr lang="zh-CN" altLang="en-US"/>
+              <a:t>和</a:t>
+            </a:r>
+            <a:r>
+              <a:rPr lang="en-US" altLang="zh-CN"/>
+              <a:t>ToUserName</a:t>
+            </a:r>
+            <a:r>
+              <a:rPr lang="zh-CN" altLang="en-US"/>
+              <a:t>互换。</a:t>
+            </a:r>
           </a:p>
         </p:txBody>
       </p:sp>
     </p:spTree>
     <p:extLst>
       <p:ext uri="{BB962C8B-B14F-4D97-AF65-F5344CB8AC3E}">
-        <p14:creationId xmlns:p14="http://schemas.microsoft.com/office/powerpoint/2010/main" val="4103007565"/>
+        <p14:creationId xmlns:p14="http://schemas.microsoft.com/office/powerpoint/2010/main" val="648880728"/>
       </p:ext>
     </p:extLst>
   </p:cSld>
@@ -4211,10 +5330,122 @@
           <a:chExt cx="0" cy="0"/>
         </a:xfrm>
       </p:grpSpPr>
+      <p:sp>
+        <p:nvSpPr>
+          <p:cNvPr id="2" name="标题 1">
+            <a:extLst>
+              <a:ext uri="{FF2B5EF4-FFF2-40B4-BE49-F238E27FC236}">
+                <a16:creationId xmlns:a16="http://schemas.microsoft.com/office/drawing/2014/main" id="{A120AA4C-488A-4AAD-94EF-B1988083690E}"/>
+              </a:ext>
+            </a:extLst>
+          </p:cNvPr>
+          <p:cNvSpPr>
+            <a:spLocks noGrp="1"/>
+          </p:cNvSpPr>
+          <p:nvPr>
+            <p:ph type="title"/>
+          </p:nvPr>
+        </p:nvSpPr>
+        <p:spPr/>
+        <p:txBody>
+          <a:bodyPr>
+            <a:normAutofit/>
+          </a:bodyPr>
+          <a:lstStyle/>
+          <a:p>
+            <a:r>
+              <a:rPr lang="zh-CN" altLang="en-US"/>
+              <a:t>原样返回消息</a:t>
+            </a:r>
+          </a:p>
+        </p:txBody>
+      </p:sp>
+      <p:sp>
+        <p:nvSpPr>
+          <p:cNvPr id="3" name="内容占位符 2">
+            <a:extLst>
+              <a:ext uri="{FF2B5EF4-FFF2-40B4-BE49-F238E27FC236}">
+                <a16:creationId xmlns:a16="http://schemas.microsoft.com/office/drawing/2014/main" id="{97085026-6C03-498C-998E-FB0B7B216CCD}"/>
+              </a:ext>
+            </a:extLst>
+          </p:cNvPr>
+          <p:cNvSpPr>
+            <a:spLocks noGrp="1"/>
+          </p:cNvSpPr>
+          <p:nvPr>
+            <p:ph idx="1"/>
+          </p:nvPr>
+        </p:nvSpPr>
+        <p:spPr/>
+        <p:txBody>
+          <a:bodyPr/>
+          <a:lstStyle/>
+          <a:p>
+            <a:r>
+              <a:rPr lang="zh-CN" altLang="en-US"/>
+              <a:t>把</a:t>
+            </a:r>
+            <a:r>
+              <a:rPr lang="en-US" altLang="zh-CN"/>
+              <a:t>FromUserName</a:t>
+            </a:r>
+            <a:r>
+              <a:rPr lang="zh-CN" altLang="en-US"/>
+              <a:t>和</a:t>
+            </a:r>
+            <a:r>
+              <a:rPr lang="en-US" altLang="zh-CN"/>
+              <a:t>ToUserName</a:t>
+            </a:r>
+            <a:r>
+              <a:rPr lang="zh-CN" altLang="en-US"/>
+              <a:t>互换。</a:t>
+            </a:r>
+            <a:endParaRPr lang="en-US" altLang="zh-CN"/>
+          </a:p>
+          <a:p>
+            <a:endParaRPr lang="en-US" altLang="zh-CN"/>
+          </a:p>
+          <a:p>
+            <a:r>
+              <a:rPr lang="zh-CN" altLang="en-US"/>
+              <a:t>消息类型不变，消息内容不变。</a:t>
+            </a:r>
+            <a:endParaRPr lang="en-US" altLang="zh-CN"/>
+          </a:p>
+          <a:p>
+            <a:endParaRPr lang="en-US" altLang="zh-CN"/>
+          </a:p>
+          <a:p>
+            <a:r>
+              <a:rPr lang="zh-CN" altLang="en-US"/>
+              <a:t>返回对应的</a:t>
+            </a:r>
+            <a:r>
+              <a:rPr lang="en-US" altLang="zh-CN"/>
+              <a:t>XML</a:t>
+            </a:r>
+            <a:r>
+              <a:rPr lang="zh-CN" altLang="en-US"/>
+              <a:t>文本。</a:t>
+            </a:r>
+            <a:endParaRPr lang="en-US" altLang="zh-CN"/>
+          </a:p>
+          <a:p>
+            <a:endParaRPr lang="en-US" altLang="zh-CN"/>
+          </a:p>
+          <a:p>
+            <a:r>
+              <a:rPr lang="zh-CN" altLang="en-US"/>
+              <a:t>用户就会收到相同的消息。</a:t>
+            </a:r>
+          </a:p>
+        </p:txBody>
+      </p:sp>
     </p:spTree>
     <p:extLst>
       <p:ext uri="{BB962C8B-B14F-4D97-AF65-F5344CB8AC3E}">
-        <p14:creationId xmlns:p14="http://schemas.microsoft.com/office/powerpoint/2010/main" val="365098710"/>
+        <p14:creationId xmlns:p14="http://schemas.microsoft.com/office/powerpoint/2010/main" val="2884748437"/>
       </p:ext>
     </p:extLst>
   </p:cSld>
